--- a/需求分析PPT.pptx
+++ b/需求分析PPT.pptx
@@ -4714,12 +4714,16 @@
               <a:t>ER</a:t>
             </a:r>
             <a:r>
-              <a:rPr lang="zh-CN" altLang="en-US" sz="2400" dirty="0">
-                <a:latin typeface="微软雅黑" panose="020B0503020204020204" pitchFamily="34" charset="-122"/>
-                <a:ea typeface="微软雅黑" panose="020B0503020204020204" pitchFamily="34" charset="-122"/>
-              </a:rPr>
-              <a:t>图</a:t>
-            </a:r>
+              <a:rPr lang="zh-CN" altLang="en-US" sz="2400">
+                <a:latin typeface="微软雅黑" panose="020B0503020204020204" pitchFamily="34" charset="-122"/>
+                <a:ea typeface="微软雅黑" panose="020B0503020204020204" pitchFamily="34" charset="-122"/>
+              </a:rPr>
+              <a:t>图和数据字典</a:t>
+            </a:r>
+            <a:endParaRPr lang="zh-CN" altLang="en-US" sz="2400" dirty="0">
+              <a:latin typeface="微软雅黑" panose="020B0503020204020204" pitchFamily="34" charset="-122"/>
+              <a:ea typeface="微软雅黑" panose="020B0503020204020204" pitchFamily="34" charset="-122"/>
+            </a:endParaRPr>
           </a:p>
         </p:txBody>
       </p:sp>
@@ -5037,7 +5041,7 @@
         <p:spPr>
           <a:xfrm>
             <a:off x="1896894" y="2533977"/>
-            <a:ext cx="2645923" cy="400110"/>
+            <a:ext cx="2645923" cy="707886"/>
           </a:xfrm>
           <a:prstGeom prst="rect">
             <a:avLst/>
@@ -5056,6 +5060,26 @@
                 <a:ea typeface="微软雅黑" panose="020B0503020204020204" pitchFamily="34" charset="-122"/>
               </a:rPr>
               <a:t>用户代表：校内师生</a:t>
+            </a:r>
+            <a:endParaRPr lang="en-US" altLang="zh-CN" sz="2000" dirty="0">
+              <a:latin typeface="微软雅黑" panose="020B0503020204020204" pitchFamily="34" charset="-122"/>
+              <a:ea typeface="微软雅黑" panose="020B0503020204020204" pitchFamily="34" charset="-122"/>
+            </a:endParaRPr>
+          </a:p>
+          <a:p>
+            <a:r>
+              <a:rPr lang="en-US" altLang="zh-CN" sz="2000" dirty="0">
+                <a:latin typeface="微软雅黑" panose="020B0503020204020204" pitchFamily="34" charset="-122"/>
+                <a:ea typeface="微软雅黑" panose="020B0503020204020204" pitchFamily="34" charset="-122"/>
+              </a:rPr>
+              <a:t>                 </a:t>
+            </a:r>
+            <a:r>
+              <a:rPr lang="zh-CN" altLang="en-US" sz="2000" dirty="0">
+                <a:latin typeface="微软雅黑" panose="020B0503020204020204" pitchFamily="34" charset="-122"/>
+                <a:ea typeface="微软雅黑" panose="020B0503020204020204" pitchFamily="34" charset="-122"/>
+              </a:rPr>
+              <a:t>管理员</a:t>
             </a:r>
           </a:p>
         </p:txBody>
